--- a/Slides/Unit 2/CS8392-U2-Inheritance.pptx
+++ b/Slides/Unit 2/CS8392-U2-Inheritance.pptx
@@ -204,7 +204,7 @@
             <a:fld id="{9515075B-F3F0-4441-A1BD-B7B515B708FF}" type="datetimeFigureOut">
               <a:rPr lang="en-US" smtClean="0"/>
               <a:pPr/>
-              <a:t>7/31/2018</a:t>
+              <a:t>8/11/2018</a:t>
             </a:fld>
             <a:endParaRPr lang="en-US"/>
           </a:p>
@@ -659,7 +659,7 @@
             <a:fld id="{6E658DF8-B8C0-4C7F-85EB-B53A2DDD44A9}" type="datetimeFigureOut">
               <a:rPr lang="en-US" smtClean="0"/>
               <a:pPr/>
-              <a:t>7/31/2018</a:t>
+              <a:t>8/11/2018</a:t>
             </a:fld>
             <a:endParaRPr lang="en-US"/>
           </a:p>
@@ -826,7 +826,7 @@
             <a:fld id="{6E658DF8-B8C0-4C7F-85EB-B53A2DDD44A9}" type="datetimeFigureOut">
               <a:rPr lang="en-US" smtClean="0"/>
               <a:pPr/>
-              <a:t>7/31/2018</a:t>
+              <a:t>8/11/2018</a:t>
             </a:fld>
             <a:endParaRPr lang="en-US"/>
           </a:p>
@@ -1003,7 +1003,7 @@
             <a:fld id="{6E658DF8-B8C0-4C7F-85EB-B53A2DDD44A9}" type="datetimeFigureOut">
               <a:rPr lang="en-US" smtClean="0"/>
               <a:pPr/>
-              <a:t>7/31/2018</a:t>
+              <a:t>8/11/2018</a:t>
             </a:fld>
             <a:endParaRPr lang="en-US"/>
           </a:p>
@@ -1202,7 +1202,7 @@
             <a:fld id="{6E658DF8-B8C0-4C7F-85EB-B53A2DDD44A9}" type="datetimeFigureOut">
               <a:rPr lang="en-US" smtClean="0"/>
               <a:pPr/>
-              <a:t>7/31/2018</a:t>
+              <a:t>8/11/2018</a:t>
             </a:fld>
             <a:endParaRPr lang="en-US"/>
           </a:p>
@@ -1445,7 +1445,7 @@
             <a:fld id="{6E658DF8-B8C0-4C7F-85EB-B53A2DDD44A9}" type="datetimeFigureOut">
               <a:rPr lang="en-US" smtClean="0"/>
               <a:pPr/>
-              <a:t>7/31/2018</a:t>
+              <a:t>8/11/2018</a:t>
             </a:fld>
             <a:endParaRPr lang="en-US"/>
           </a:p>
@@ -1730,7 +1730,7 @@
             <a:fld id="{6E658DF8-B8C0-4C7F-85EB-B53A2DDD44A9}" type="datetimeFigureOut">
               <a:rPr lang="en-US" smtClean="0"/>
               <a:pPr/>
-              <a:t>7/31/2018</a:t>
+              <a:t>8/11/2018</a:t>
             </a:fld>
             <a:endParaRPr lang="en-US"/>
           </a:p>
@@ -2149,7 +2149,7 @@
             <a:fld id="{6E658DF8-B8C0-4C7F-85EB-B53A2DDD44A9}" type="datetimeFigureOut">
               <a:rPr lang="en-US" smtClean="0"/>
               <a:pPr/>
-              <a:t>7/31/2018</a:t>
+              <a:t>8/11/2018</a:t>
             </a:fld>
             <a:endParaRPr lang="en-US"/>
           </a:p>
@@ -2264,7 +2264,7 @@
             <a:fld id="{6E658DF8-B8C0-4C7F-85EB-B53A2DDD44A9}" type="datetimeFigureOut">
               <a:rPr lang="en-US" smtClean="0"/>
               <a:pPr/>
-              <a:t>7/31/2018</a:t>
+              <a:t>8/11/2018</a:t>
             </a:fld>
             <a:endParaRPr lang="en-US"/>
           </a:p>
@@ -2356,7 +2356,7 @@
             <a:fld id="{6E658DF8-B8C0-4C7F-85EB-B53A2DDD44A9}" type="datetimeFigureOut">
               <a:rPr lang="en-US" smtClean="0"/>
               <a:pPr/>
-              <a:t>7/31/2018</a:t>
+              <a:t>8/11/2018</a:t>
             </a:fld>
             <a:endParaRPr lang="en-US"/>
           </a:p>
@@ -2630,7 +2630,7 @@
             <a:fld id="{6E658DF8-B8C0-4C7F-85EB-B53A2DDD44A9}" type="datetimeFigureOut">
               <a:rPr lang="en-US" smtClean="0"/>
               <a:pPr/>
-              <a:t>7/31/2018</a:t>
+              <a:t>8/11/2018</a:t>
             </a:fld>
             <a:endParaRPr lang="en-US"/>
           </a:p>
@@ -2880,7 +2880,7 @@
             <a:fld id="{6E658DF8-B8C0-4C7F-85EB-B53A2DDD44A9}" type="datetimeFigureOut">
               <a:rPr lang="en-US" smtClean="0"/>
               <a:pPr/>
-              <a:t>7/31/2018</a:t>
+              <a:t>8/11/2018</a:t>
             </a:fld>
             <a:endParaRPr lang="en-US"/>
           </a:p>
@@ -3096,7 +3096,7 @@
             <a:fld id="{6E658DF8-B8C0-4C7F-85EB-B53A2DDD44A9}" type="datetimeFigureOut">
               <a:rPr lang="en-US" smtClean="0"/>
               <a:pPr/>
-              <a:t>7/31/2018</a:t>
+              <a:t>8/11/2018</a:t>
             </a:fld>
             <a:endParaRPr lang="en-US"/>
           </a:p>

--- a/Slides/Unit 2/CS8392-U2-Inheritance.pptx
+++ b/Slides/Unit 2/CS8392-U2-Inheritance.pptx
@@ -204,7 +204,7 @@
             <a:fld id="{9515075B-F3F0-4441-A1BD-B7B515B708FF}" type="datetimeFigureOut">
               <a:rPr lang="en-US" smtClean="0"/>
               <a:pPr/>
-              <a:t>8/11/2018</a:t>
+              <a:t>9/23/2018</a:t>
             </a:fld>
             <a:endParaRPr lang="en-US"/>
           </a:p>
@@ -659,7 +659,7 @@
             <a:fld id="{6E658DF8-B8C0-4C7F-85EB-B53A2DDD44A9}" type="datetimeFigureOut">
               <a:rPr lang="en-US" smtClean="0"/>
               <a:pPr/>
-              <a:t>8/11/2018</a:t>
+              <a:t>9/23/2018</a:t>
             </a:fld>
             <a:endParaRPr lang="en-US"/>
           </a:p>
@@ -826,7 +826,7 @@
             <a:fld id="{6E658DF8-B8C0-4C7F-85EB-B53A2DDD44A9}" type="datetimeFigureOut">
               <a:rPr lang="en-US" smtClean="0"/>
               <a:pPr/>
-              <a:t>8/11/2018</a:t>
+              <a:t>9/23/2018</a:t>
             </a:fld>
             <a:endParaRPr lang="en-US"/>
           </a:p>
@@ -1003,7 +1003,7 @@
             <a:fld id="{6E658DF8-B8C0-4C7F-85EB-B53A2DDD44A9}" type="datetimeFigureOut">
               <a:rPr lang="en-US" smtClean="0"/>
               <a:pPr/>
-              <a:t>8/11/2018</a:t>
+              <a:t>9/23/2018</a:t>
             </a:fld>
             <a:endParaRPr lang="en-US"/>
           </a:p>
@@ -1202,7 +1202,7 @@
             <a:fld id="{6E658DF8-B8C0-4C7F-85EB-B53A2DDD44A9}" type="datetimeFigureOut">
               <a:rPr lang="en-US" smtClean="0"/>
               <a:pPr/>
-              <a:t>8/11/2018</a:t>
+              <a:t>9/23/2018</a:t>
             </a:fld>
             <a:endParaRPr lang="en-US"/>
           </a:p>
@@ -1445,7 +1445,7 @@
             <a:fld id="{6E658DF8-B8C0-4C7F-85EB-B53A2DDD44A9}" type="datetimeFigureOut">
               <a:rPr lang="en-US" smtClean="0"/>
               <a:pPr/>
-              <a:t>8/11/2018</a:t>
+              <a:t>9/23/2018</a:t>
             </a:fld>
             <a:endParaRPr lang="en-US"/>
           </a:p>
@@ -1730,7 +1730,7 @@
             <a:fld id="{6E658DF8-B8C0-4C7F-85EB-B53A2DDD44A9}" type="datetimeFigureOut">
               <a:rPr lang="en-US" smtClean="0"/>
               <a:pPr/>
-              <a:t>8/11/2018</a:t>
+              <a:t>9/23/2018</a:t>
             </a:fld>
             <a:endParaRPr lang="en-US"/>
           </a:p>
@@ -2149,7 +2149,7 @@
             <a:fld id="{6E658DF8-B8C0-4C7F-85EB-B53A2DDD44A9}" type="datetimeFigureOut">
               <a:rPr lang="en-US" smtClean="0"/>
               <a:pPr/>
-              <a:t>8/11/2018</a:t>
+              <a:t>9/23/2018</a:t>
             </a:fld>
             <a:endParaRPr lang="en-US"/>
           </a:p>
@@ -2264,7 +2264,7 @@
             <a:fld id="{6E658DF8-B8C0-4C7F-85EB-B53A2DDD44A9}" type="datetimeFigureOut">
               <a:rPr lang="en-US" smtClean="0"/>
               <a:pPr/>
-              <a:t>8/11/2018</a:t>
+              <a:t>9/23/2018</a:t>
             </a:fld>
             <a:endParaRPr lang="en-US"/>
           </a:p>
@@ -2356,7 +2356,7 @@
             <a:fld id="{6E658DF8-B8C0-4C7F-85EB-B53A2DDD44A9}" type="datetimeFigureOut">
               <a:rPr lang="en-US" smtClean="0"/>
               <a:pPr/>
-              <a:t>8/11/2018</a:t>
+              <a:t>9/23/2018</a:t>
             </a:fld>
             <a:endParaRPr lang="en-US"/>
           </a:p>
@@ -2630,7 +2630,7 @@
             <a:fld id="{6E658DF8-B8C0-4C7F-85EB-B53A2DDD44A9}" type="datetimeFigureOut">
               <a:rPr lang="en-US" smtClean="0"/>
               <a:pPr/>
-              <a:t>8/11/2018</a:t>
+              <a:t>9/23/2018</a:t>
             </a:fld>
             <a:endParaRPr lang="en-US"/>
           </a:p>
@@ -2880,7 +2880,7 @@
             <a:fld id="{6E658DF8-B8C0-4C7F-85EB-B53A2DDD44A9}" type="datetimeFigureOut">
               <a:rPr lang="en-US" smtClean="0"/>
               <a:pPr/>
-              <a:t>8/11/2018</a:t>
+              <a:t>9/23/2018</a:t>
             </a:fld>
             <a:endParaRPr lang="en-US"/>
           </a:p>
@@ -3096,7 +3096,7 @@
             <a:fld id="{6E658DF8-B8C0-4C7F-85EB-B53A2DDD44A9}" type="datetimeFigureOut">
               <a:rPr lang="en-US" smtClean="0"/>
               <a:pPr/>
-              <a:t>8/11/2018</a:t>
+              <a:t>9/23/2018</a:t>
             </a:fld>
             <a:endParaRPr lang="en-US"/>
           </a:p>
